--- a/DSP/MIkkel-PowerPoints/DSP-02_IIR-bilineære-transform.pptx
+++ b/DSP/MIkkel-PowerPoints/DSP-02_IIR-bilineære-transform.pptx
@@ -13,9 +13,10 @@
     <p:sldId id="258" r:id="rId7"/>
     <p:sldId id="259" r:id="rId8"/>
     <p:sldId id="260" r:id="rId9"/>
-    <p:sldId id="261" r:id="rId10"/>
-    <p:sldId id="262" r:id="rId11"/>
-    <p:sldId id="266" r:id="rId12"/>
+    <p:sldId id="267" r:id="rId10"/>
+    <p:sldId id="261" r:id="rId11"/>
+    <p:sldId id="262" r:id="rId12"/>
+    <p:sldId id="266" r:id="rId13"/>
   </p:sldIdLst>
   <p:sldSz cx="12192000" cy="6858000"/>
   <p:notesSz cx="6858000" cy="9144000"/>
@@ -506,7 +507,7 @@
           <a:p>
             <a:fld id="{846CE7D5-CF57-46EF-B807-FDD0502418D4}" type="datetimeFigureOut">
               <a:rPr lang="en-US" smtClean="0"/>
-              <a:t>12/27/2024</a:t>
+              <a:t>1/15/2025</a:t>
             </a:fld>
             <a:endParaRPr lang="en-US"/>
           </a:p>
@@ -548,7 +549,7 @@
           <a:p>
             <a:fld id="{330EA680-D336-4FF7-8B7A-9848BB0A1C32}" type="slidenum">
               <a:rPr lang="en-US" smtClean="0"/>
-              <a:t>‹#›</a:t>
+              <a:t>‹nr.›</a:t>
             </a:fld>
             <a:endParaRPr lang="en-US"/>
           </a:p>
@@ -676,7 +677,7 @@
           <a:p>
             <a:fld id="{846CE7D5-CF57-46EF-B807-FDD0502418D4}" type="datetimeFigureOut">
               <a:rPr lang="en-US" smtClean="0"/>
-              <a:t>12/27/2024</a:t>
+              <a:t>1/15/2025</a:t>
             </a:fld>
             <a:endParaRPr lang="en-US"/>
           </a:p>
@@ -718,7 +719,7 @@
           <a:p>
             <a:fld id="{330EA680-D336-4FF7-8B7A-9848BB0A1C32}" type="slidenum">
               <a:rPr lang="en-US" smtClean="0"/>
-              <a:t>‹#›</a:t>
+              <a:t>‹nr.›</a:t>
             </a:fld>
             <a:endParaRPr lang="en-US"/>
           </a:p>
@@ -856,7 +857,7 @@
           <a:p>
             <a:fld id="{846CE7D5-CF57-46EF-B807-FDD0502418D4}" type="datetimeFigureOut">
               <a:rPr lang="en-US" smtClean="0"/>
-              <a:t>12/27/2024</a:t>
+              <a:t>1/15/2025</a:t>
             </a:fld>
             <a:endParaRPr lang="en-US"/>
           </a:p>
@@ -898,7 +899,7 @@
           <a:p>
             <a:fld id="{330EA680-D336-4FF7-8B7A-9848BB0A1C32}" type="slidenum">
               <a:rPr lang="en-US" smtClean="0"/>
-              <a:t>‹#›</a:t>
+              <a:t>‹nr.›</a:t>
             </a:fld>
             <a:endParaRPr lang="en-US"/>
           </a:p>
@@ -1026,7 +1027,7 @@
           <a:p>
             <a:fld id="{846CE7D5-CF57-46EF-B807-FDD0502418D4}" type="datetimeFigureOut">
               <a:rPr lang="en-US" smtClean="0"/>
-              <a:t>12/27/2024</a:t>
+              <a:t>1/15/2025</a:t>
             </a:fld>
             <a:endParaRPr lang="en-US"/>
           </a:p>
@@ -1068,7 +1069,7 @@
           <a:p>
             <a:fld id="{330EA680-D336-4FF7-8B7A-9848BB0A1C32}" type="slidenum">
               <a:rPr lang="en-US" smtClean="0"/>
-              <a:t>‹#›</a:t>
+              <a:t>‹nr.›</a:t>
             </a:fld>
             <a:endParaRPr lang="en-US"/>
           </a:p>
@@ -1272,7 +1273,7 @@
           <a:p>
             <a:fld id="{846CE7D5-CF57-46EF-B807-FDD0502418D4}" type="datetimeFigureOut">
               <a:rPr lang="en-US" smtClean="0"/>
-              <a:t>12/27/2024</a:t>
+              <a:t>1/15/2025</a:t>
             </a:fld>
             <a:endParaRPr lang="en-US"/>
           </a:p>
@@ -1314,7 +1315,7 @@
           <a:p>
             <a:fld id="{330EA680-D336-4FF7-8B7A-9848BB0A1C32}" type="slidenum">
               <a:rPr lang="en-US" smtClean="0"/>
-              <a:t>‹#›</a:t>
+              <a:t>‹nr.›</a:t>
             </a:fld>
             <a:endParaRPr lang="en-US"/>
           </a:p>
@@ -1504,7 +1505,7 @@
           <a:p>
             <a:fld id="{846CE7D5-CF57-46EF-B807-FDD0502418D4}" type="datetimeFigureOut">
               <a:rPr lang="en-US" smtClean="0"/>
-              <a:t>12/27/2024</a:t>
+              <a:t>1/15/2025</a:t>
             </a:fld>
             <a:endParaRPr lang="en-US"/>
           </a:p>
@@ -1546,7 +1547,7 @@
           <a:p>
             <a:fld id="{330EA680-D336-4FF7-8B7A-9848BB0A1C32}" type="slidenum">
               <a:rPr lang="en-US" smtClean="0"/>
-              <a:t>‹#›</a:t>
+              <a:t>‹nr.›</a:t>
             </a:fld>
             <a:endParaRPr lang="en-US"/>
           </a:p>
@@ -1871,7 +1872,7 @@
           <a:p>
             <a:fld id="{846CE7D5-CF57-46EF-B807-FDD0502418D4}" type="datetimeFigureOut">
               <a:rPr lang="en-US" smtClean="0"/>
-              <a:t>12/27/2024</a:t>
+              <a:t>1/15/2025</a:t>
             </a:fld>
             <a:endParaRPr lang="en-US"/>
           </a:p>
@@ -1913,7 +1914,7 @@
           <a:p>
             <a:fld id="{330EA680-D336-4FF7-8B7A-9848BB0A1C32}" type="slidenum">
               <a:rPr lang="en-US" smtClean="0"/>
-              <a:t>‹#›</a:t>
+              <a:t>‹nr.›</a:t>
             </a:fld>
             <a:endParaRPr lang="en-US"/>
           </a:p>
@@ -1989,7 +1990,7 @@
           <a:p>
             <a:fld id="{846CE7D5-CF57-46EF-B807-FDD0502418D4}" type="datetimeFigureOut">
               <a:rPr lang="en-US" smtClean="0"/>
-              <a:t>12/27/2024</a:t>
+              <a:t>1/15/2025</a:t>
             </a:fld>
             <a:endParaRPr lang="en-US"/>
           </a:p>
@@ -2031,7 +2032,7 @@
           <a:p>
             <a:fld id="{330EA680-D336-4FF7-8B7A-9848BB0A1C32}" type="slidenum">
               <a:rPr lang="en-US" smtClean="0"/>
-              <a:t>‹#›</a:t>
+              <a:t>‹nr.›</a:t>
             </a:fld>
             <a:endParaRPr lang="en-US"/>
           </a:p>
@@ -2084,7 +2085,7 @@
           <a:p>
             <a:fld id="{846CE7D5-CF57-46EF-B807-FDD0502418D4}" type="datetimeFigureOut">
               <a:rPr lang="en-US" smtClean="0"/>
-              <a:t>12/27/2024</a:t>
+              <a:t>1/15/2025</a:t>
             </a:fld>
             <a:endParaRPr lang="en-US"/>
           </a:p>
@@ -2126,7 +2127,7 @@
           <a:p>
             <a:fld id="{330EA680-D336-4FF7-8B7A-9848BB0A1C32}" type="slidenum">
               <a:rPr lang="en-US" smtClean="0"/>
-              <a:t>‹#›</a:t>
+              <a:t>‹nr.›</a:t>
             </a:fld>
             <a:endParaRPr lang="en-US"/>
           </a:p>
@@ -2361,7 +2362,7 @@
           <a:p>
             <a:fld id="{846CE7D5-CF57-46EF-B807-FDD0502418D4}" type="datetimeFigureOut">
               <a:rPr lang="en-US" smtClean="0"/>
-              <a:t>12/27/2024</a:t>
+              <a:t>1/15/2025</a:t>
             </a:fld>
             <a:endParaRPr lang="en-US"/>
           </a:p>
@@ -2403,7 +2404,7 @@
           <a:p>
             <a:fld id="{330EA680-D336-4FF7-8B7A-9848BB0A1C32}" type="slidenum">
               <a:rPr lang="en-US" smtClean="0"/>
-              <a:t>‹#›</a:t>
+              <a:t>‹nr.›</a:t>
             </a:fld>
             <a:endParaRPr lang="en-US"/>
           </a:p>
@@ -2618,7 +2619,7 @@
           <a:p>
             <a:fld id="{846CE7D5-CF57-46EF-B807-FDD0502418D4}" type="datetimeFigureOut">
               <a:rPr lang="en-US" smtClean="0"/>
-              <a:t>12/27/2024</a:t>
+              <a:t>1/15/2025</a:t>
             </a:fld>
             <a:endParaRPr lang="en-US"/>
           </a:p>
@@ -2660,7 +2661,7 @@
           <a:p>
             <a:fld id="{330EA680-D336-4FF7-8B7A-9848BB0A1C32}" type="slidenum">
               <a:rPr lang="en-US" smtClean="0"/>
-              <a:t>‹#›</a:t>
+              <a:t>‹nr.›</a:t>
             </a:fld>
             <a:endParaRPr lang="en-US"/>
           </a:p>
@@ -2831,7 +2832,7 @@
           <a:p>
             <a:fld id="{846CE7D5-CF57-46EF-B807-FDD0502418D4}" type="datetimeFigureOut">
               <a:rPr lang="en-US" smtClean="0"/>
-              <a:t>12/27/2024</a:t>
+              <a:t>1/15/2025</a:t>
             </a:fld>
             <a:endParaRPr lang="en-US"/>
           </a:p>
@@ -2909,7 +2910,7 @@
           <a:p>
             <a:fld id="{330EA680-D336-4FF7-8B7A-9848BB0A1C32}" type="slidenum">
               <a:rPr lang="en-US" smtClean="0"/>
-              <a:t>‹#›</a:t>
+              <a:t>‹nr.›</a:t>
             </a:fld>
             <a:endParaRPr lang="en-US"/>
           </a:p>
@@ -3326,6 +3327,66 @@
           <a:chExt cx="0" cy="0"/>
         </a:xfrm>
       </p:grpSpPr>
+      <p:pic>
+        <p:nvPicPr>
+          <p:cNvPr id="4" name="Picture 3" descr="A graph on a lined paper&#10;&#10;Description automatically generated">
+            <a:extLst>
+              <a:ext uri="{FF2B5EF4-FFF2-40B4-BE49-F238E27FC236}">
+                <a16:creationId xmlns:a16="http://schemas.microsoft.com/office/drawing/2014/main" id="{ABF43252-79B1-C523-E2C7-EB33045C3355}"/>
+              </a:ext>
+            </a:extLst>
+          </p:cNvPr>
+          <p:cNvPicPr>
+            <a:picLocks noChangeAspect="1"/>
+          </p:cNvPicPr>
+          <p:nvPr/>
+        </p:nvPicPr>
+        <p:blipFill>
+          <a:blip r:embed="rId2"/>
+          <a:stretch>
+            <a:fillRect/>
+          </a:stretch>
+        </p:blipFill>
+        <p:spPr>
+          <a:xfrm>
+            <a:off x="2086970" y="722905"/>
+            <a:ext cx="7597253" cy="5594160"/>
+          </a:xfrm>
+          <a:prstGeom prst="rect">
+            <a:avLst/>
+          </a:prstGeom>
+        </p:spPr>
+      </p:pic>
+    </p:spTree>
+    <p:extLst>
+      <p:ext uri="{BB962C8B-B14F-4D97-AF65-F5344CB8AC3E}">
+        <p14:creationId xmlns:p14="http://schemas.microsoft.com/office/powerpoint/2010/main" val="3518132404"/>
+      </p:ext>
+    </p:extLst>
+  </p:cSld>
+  <p:clrMapOvr>
+    <a:masterClrMapping/>
+  </p:clrMapOvr>
+</p:sld>
+</file>
+
+<file path=ppt/slides/slide11.xml><?xml version="1.0" encoding="utf-8"?>
+<p:sld xmlns:a="http://schemas.openxmlformats.org/drawingml/2006/main" xmlns:r="http://schemas.openxmlformats.org/officeDocument/2006/relationships" xmlns:p="http://schemas.openxmlformats.org/presentationml/2006/main">
+  <p:cSld>
+    <p:spTree>
+      <p:nvGrpSpPr>
+        <p:cNvPr id="1" name=""/>
+        <p:cNvGrpSpPr/>
+        <p:nvPr/>
+      </p:nvGrpSpPr>
+      <p:grpSpPr>
+        <a:xfrm>
+          <a:off x="0" y="0"/>
+          <a:ext cx="0" cy="0"/>
+          <a:chOff x="0" y="0"/>
+          <a:chExt cx="0" cy="0"/>
+        </a:xfrm>
+      </p:grpSpPr>
       <p:sp>
         <p:nvSpPr>
           <p:cNvPr id="2" name="Title 1">
@@ -3394,7 +3455,7 @@
 </p:sld>
 </file>
 
-<file path=ppt/slides/slide11.xml><?xml version="1.0" encoding="utf-8"?>
+<file path=ppt/slides/slide12.xml><?xml version="1.0" encoding="utf-8"?>
 <p:sld xmlns:a="http://schemas.openxmlformats.org/drawingml/2006/main" xmlns:r="http://schemas.openxmlformats.org/officeDocument/2006/relationships" xmlns:p="http://schemas.openxmlformats.org/presentationml/2006/main">
   <p:cSld>
     <p:spTree>
@@ -4106,14 +4167,43 @@
         </p:nvPicPr>
         <p:blipFill>
           <a:blip r:embed="rId2"/>
+          <a:srcRect r="44244"/>
+          <a:stretch/>
+        </p:blipFill>
+        <p:spPr>
+          <a:xfrm>
+            <a:off x="1465356" y="1711372"/>
+            <a:ext cx="4373469" cy="4310986"/>
+          </a:xfrm>
+          <a:prstGeom prst="rect">
+            <a:avLst/>
+          </a:prstGeom>
+        </p:spPr>
+      </p:pic>
+      <p:pic>
+        <p:nvPicPr>
+          <p:cNvPr id="5" name="Billede 4">
+            <a:extLst>
+              <a:ext uri="{FF2B5EF4-FFF2-40B4-BE49-F238E27FC236}">
+                <a16:creationId xmlns:a16="http://schemas.microsoft.com/office/drawing/2014/main" id="{AAF907C9-B28B-E36D-6665-AD05E7C4011E}"/>
+              </a:ext>
+            </a:extLst>
+          </p:cNvPr>
+          <p:cNvPicPr>
+            <a:picLocks noChangeAspect="1"/>
+          </p:cNvPicPr>
+          <p:nvPr/>
+        </p:nvPicPr>
+        <p:blipFill>
+          <a:blip r:embed="rId3"/>
           <a:stretch>
             <a:fillRect/>
           </a:stretch>
         </p:blipFill>
         <p:spPr>
           <a:xfrm>
-            <a:off x="2179731" y="1711372"/>
-            <a:ext cx="7843908" cy="4310986"/>
+            <a:off x="5334000" y="2250941"/>
+            <a:ext cx="6057900" cy="3278321"/>
           </a:xfrm>
           <a:prstGeom prst="rect">
             <a:avLst/>
@@ -4152,10 +4242,10 @@
       </p:grpSpPr>
       <p:pic>
         <p:nvPicPr>
-          <p:cNvPr id="4" name="Picture 3" descr="A graph on a lined paper&#10;&#10;Description automatically generated">
+          <p:cNvPr id="5" name="Billede 4">
             <a:extLst>
               <a:ext uri="{FF2B5EF4-FFF2-40B4-BE49-F238E27FC236}">
-                <a16:creationId xmlns:a16="http://schemas.microsoft.com/office/drawing/2014/main" id="{ABF43252-79B1-C523-E2C7-EB33045C3355}"/>
+                <a16:creationId xmlns:a16="http://schemas.microsoft.com/office/drawing/2014/main" id="{8ECCA303-4D5D-E064-CB6C-817607B37241}"/>
               </a:ext>
             </a:extLst>
           </p:cNvPr>
@@ -4172,8 +4262,8 @@
         </p:blipFill>
         <p:spPr>
           <a:xfrm>
-            <a:off x="2086970" y="722905"/>
-            <a:ext cx="7597253" cy="5594160"/>
+            <a:off x="2176462" y="1657350"/>
+            <a:ext cx="7839075" cy="3543300"/>
           </a:xfrm>
           <a:prstGeom prst="rect">
             <a:avLst/>
@@ -4183,7 +4273,7 @@
     </p:spTree>
     <p:extLst>
       <p:ext uri="{BB962C8B-B14F-4D97-AF65-F5344CB8AC3E}">
-        <p14:creationId xmlns:p14="http://schemas.microsoft.com/office/powerpoint/2010/main" val="3518132404"/>
+        <p14:creationId xmlns:p14="http://schemas.microsoft.com/office/powerpoint/2010/main" val="3155408355"/>
       </p:ext>
     </p:extLst>
   </p:cSld>
